--- a/Documents/Group17_Projektiesitelmä.pptx
+++ b/Documents/Group17_Projektiesitelmä.pptx
@@ -18,7 +18,7 @@
   <p:sldIdLst>
     <p:sldId id="256" r:id="rId10"/>
     <p:sldId id="257" r:id="rId11"/>
-    <p:sldId id="259" r:id="rId12"/>
+    <p:sldId id="263" r:id="rId12"/>
     <p:sldId id="260" r:id="rId13"/>
     <p:sldId id="261" r:id="rId14"/>
     <p:sldId id="262" r:id="rId15"/>
@@ -304,7 +304,7 @@
             <a:fld id="{97D26A1D-8F1D-E946-B0D1-CC4BD4123B3F}" type="datetimeFigureOut">
               <a:rPr lang="fi-FI" smtClean="0"/>
               <a:pPr/>
-              <a:t>2.5.2022</a:t>
+              <a:t>3.5.2022</a:t>
             </a:fld>
             <a:endParaRPr lang="fi-FI"/>
           </a:p>
@@ -472,7 +472,7 @@
             <a:fld id="{F3E449F4-C179-AF47-9D54-E44A3968B497}" type="datetimeFigureOut">
               <a:rPr lang="fi-FI" smtClean="0"/>
               <a:pPr/>
-              <a:t>2.5.2022</a:t>
+              <a:t>3.5.2022</a:t>
             </a:fld>
             <a:endParaRPr lang="fi-FI"/>
           </a:p>
@@ -15168,7 +15168,7 @@
           <p:cNvPr id="2" name="Otsikko 1">
             <a:extLst>
               <a:ext uri="{FF2B5EF4-FFF2-40B4-BE49-F238E27FC236}">
-                <a16:creationId xmlns:a16="http://schemas.microsoft.com/office/drawing/2014/main" id="{E6946954-3C6B-4531-A7F6-82F6E1D88481}"/>
+                <a16:creationId xmlns:a16="http://schemas.microsoft.com/office/drawing/2014/main" id="{D4182D6C-360A-D5FB-14FB-9B2AC68E7D0C}"/>
               </a:ext>
             </a:extLst>
           </p:cNvPr>
@@ -15185,9 +15185,10 @@
           <a:lstStyle/>
           <a:p>
             <a:r>
-              <a:rPr lang="fi-FI"/>
-              <a:t>Projektin lopputulos</a:t>
-            </a:r>
+              <a:rPr lang="en-US" dirty="0"/>
+              <a:t>English Poster</a:t>
+            </a:r>
+            <a:endParaRPr lang="en-FI" dirty="0"/>
           </a:p>
         </p:txBody>
       </p:sp>
@@ -15196,7 +15197,7 @@
           <p:cNvPr id="3" name="Sisällön paikkamerkki 2">
             <a:extLst>
               <a:ext uri="{FF2B5EF4-FFF2-40B4-BE49-F238E27FC236}">
-                <a16:creationId xmlns:a16="http://schemas.microsoft.com/office/drawing/2014/main" id="{E97B95FC-B8C7-42DC-8300-C313059B29D9}"/>
+                <a16:creationId xmlns:a16="http://schemas.microsoft.com/office/drawing/2014/main" id="{DCC23CB5-658F-62EC-D08B-4D214285BE98}"/>
               </a:ext>
             </a:extLst>
           </p:cNvPr>
@@ -15209,25 +15210,17 @@
         </p:nvSpPr>
         <p:spPr/>
         <p:txBody>
-          <a:bodyPr vert="horz" lIns="91440" tIns="45720" rIns="91440" bIns="45720" rtlCol="0" anchor="t">
-            <a:normAutofit/>
-          </a:bodyPr>
+          <a:bodyPr/>
           <a:lstStyle/>
           <a:p>
-            <a:pPr marL="0" indent="0">
-              <a:buNone/>
-            </a:pPr>
-            <a:r>
-              <a:rPr lang="fi-FI" dirty="0"/>
-              <a:t>Tekstiä</a:t>
-            </a:r>
+            <a:endParaRPr lang="en-FI"/>
           </a:p>
         </p:txBody>
       </p:sp>
     </p:spTree>
     <p:extLst>
       <p:ext uri="{BB962C8B-B14F-4D97-AF65-F5344CB8AC3E}">
-        <p14:creationId xmlns:p14="http://schemas.microsoft.com/office/powerpoint/2010/main" val="147344961"/>
+        <p14:creationId xmlns:p14="http://schemas.microsoft.com/office/powerpoint/2010/main" val="1631090781"/>
       </p:ext>
     </p:extLst>
   </p:cSld>
@@ -15315,7 +15308,23 @@
             </a:pPr>
             <a:r>
               <a:rPr lang="fi-FI" dirty="0"/>
-              <a:t>Tekstiä</a:t>
+              <a:t>Kaikki </a:t>
+            </a:r>
+            <a:r>
+              <a:rPr lang="fi-FI" dirty="0" err="1"/>
+              <a:t>muy</a:t>
+            </a:r>
+            <a:r>
+              <a:rPr lang="fi-FI" dirty="0"/>
+              <a:t> </a:t>
+            </a:r>
+            <a:r>
+              <a:rPr lang="fi-FI" dirty="0" err="1"/>
+              <a:t>bueno</a:t>
+            </a:r>
+            <a:r>
+              <a:rPr lang="fi-FI" dirty="0"/>
+              <a:t>..</a:t>
             </a:r>
           </a:p>
           <a:p>
@@ -15415,7 +15424,76 @@
             </a:pPr>
             <a:r>
               <a:rPr lang="fi-FI" dirty="0"/>
-              <a:t>Tekstiä</a:t>
+              <a:t>Uutta osaamista ja pitkä googlauksen sivuhistoria</a:t>
+            </a:r>
+          </a:p>
+          <a:p>
+            <a:pPr>
+              <a:buFontTx/>
+              <a:buChar char="-"/>
+            </a:pPr>
+            <a:r>
+              <a:rPr lang="fi-FI" dirty="0"/>
+              <a:t>Ohjelmointitaidot kehittyivät</a:t>
+            </a:r>
+          </a:p>
+          <a:p>
+            <a:pPr>
+              <a:buFontTx/>
+              <a:buChar char="-"/>
+            </a:pPr>
+            <a:r>
+              <a:rPr lang="fi-FI" dirty="0"/>
+              <a:t>Käytännön oppia tietokantoihin ja </a:t>
+            </a:r>
+            <a:r>
+              <a:rPr lang="fi-FI" dirty="0" err="1"/>
+              <a:t>RestApiin</a:t>
+            </a:r>
+            <a:endParaRPr lang="fi-FI" dirty="0"/>
+          </a:p>
+          <a:p>
+            <a:pPr>
+              <a:buFontTx/>
+              <a:buChar char="-"/>
+            </a:pPr>
+            <a:r>
+              <a:rPr lang="fi-FI" dirty="0"/>
+              <a:t>Ui suunnittelu on hyvä jättää graafikoille</a:t>
+            </a:r>
+          </a:p>
+          <a:p>
+            <a:pPr>
+              <a:buFontTx/>
+              <a:buChar char="-"/>
+            </a:pPr>
+            <a:r>
+              <a:rPr lang="fi-FI" dirty="0"/>
+              <a:t>Tiedonhaku ja ongelmanratkaisu taidot kehittyivät paljon</a:t>
+            </a:r>
+          </a:p>
+          <a:p>
+            <a:pPr>
+              <a:buFontTx/>
+              <a:buChar char="-"/>
+            </a:pPr>
+            <a:r>
+              <a:rPr lang="fi-FI" dirty="0"/>
+              <a:t>Ryhmätyöskentely taidot parantui</a:t>
+            </a:r>
+          </a:p>
+          <a:p>
+            <a:pPr>
+              <a:buFontTx/>
+              <a:buChar char="-"/>
+            </a:pPr>
+            <a:r>
+              <a:rPr lang="fi-FI" dirty="0" err="1"/>
+              <a:t>Git</a:t>
+            </a:r>
+            <a:r>
+              <a:rPr lang="fi-FI" dirty="0"/>
+              <a:t> osaaminen kehittyi</a:t>
             </a:r>
           </a:p>
         </p:txBody>
@@ -15511,13 +15589,65 @@
           </a:bodyPr>
           <a:lstStyle/>
           <a:p>
-            <a:pPr marL="0" indent="0">
-              <a:buNone/>
+            <a:pPr>
+              <a:buFontTx/>
+              <a:buChar char="-"/>
             </a:pPr>
             <a:r>
               <a:rPr lang="fi-FI" dirty="0"/>
-              <a:t>Tekstiä</a:t>
-            </a:r>
+              <a:t>Kaikki oli </a:t>
+            </a:r>
+            <a:r>
+              <a:rPr lang="fi-FI" dirty="0" err="1"/>
+              <a:t>jeppistä</a:t>
+            </a:r>
+            <a:r>
+              <a:rPr lang="fi-FI" dirty="0"/>
+              <a:t> jee</a:t>
+            </a:r>
+          </a:p>
+          <a:p>
+            <a:pPr>
+              <a:buFontTx/>
+              <a:buChar char="-"/>
+            </a:pPr>
+            <a:r>
+              <a:rPr lang="fi-FI" dirty="0"/>
+              <a:t>Kortinlukija oli yks saatanan susi.</a:t>
+            </a:r>
+          </a:p>
+          <a:p>
+            <a:pPr>
+              <a:buFontTx/>
+              <a:buChar char="-"/>
+            </a:pPr>
+            <a:r>
+              <a:rPr lang="fi-FI" dirty="0"/>
+              <a:t>Aloitus tuntui hitaalta. Oli hirveä into päästä tekemään itse asiaa eikä </a:t>
+            </a:r>
+            <a:r>
+              <a:rPr lang="fi-FI" dirty="0" err="1"/>
+              <a:t>nyhvätä</a:t>
+            </a:r>
+            <a:r>
+              <a:rPr lang="fi-FI" dirty="0"/>
+              <a:t> dokumentteja.</a:t>
+            </a:r>
+          </a:p>
+          <a:p>
+            <a:pPr>
+              <a:buFontTx/>
+              <a:buChar char="-"/>
+            </a:pPr>
+            <a:r>
+              <a:rPr lang="fi-FI" dirty="0"/>
+              <a:t>Kaikki meni hyvin ei mitään </a:t>
+            </a:r>
+            <a:r>
+              <a:rPr lang="fi-FI"/>
+              <a:t>huonoa sanottavaa.</a:t>
+            </a:r>
+            <a:endParaRPr lang="fi-FI" dirty="0"/>
           </a:p>
           <a:p>
             <a:pPr>
@@ -18153,6 +18283,12 @@
 </file>
 
 <file path=customXml/item1.xml><?xml version="1.0" encoding="utf-8"?>
+<p:properties xmlns:p="http://schemas.microsoft.com/office/2006/metadata/properties" xmlns:xsi="http://www.w3.org/2001/XMLSchema-instance" xmlns:pc="http://schemas.microsoft.com/office/infopath/2007/PartnerControls">
+  <documentManagement/>
+</p:properties>
+</file>
+
+<file path=customXml/item2.xml><?xml version="1.0" encoding="utf-8"?>
 <ct:contentTypeSchema xmlns:ct="http://schemas.microsoft.com/office/2006/metadata/contentType" xmlns:ma="http://schemas.microsoft.com/office/2006/metadata/properties/metaAttributes" ct:_="" ma:_="" ma:contentTypeName="Asiakirja" ma:contentTypeID="0x0101006ECC83F8D6BFE4428804C4C3A1B4B79C" ma:contentTypeVersion="9" ma:contentTypeDescription="Luo uusi asiakirja." ma:contentTypeScope="" ma:versionID="cb58403596d0c528fd893a3198633c48">
   <xsd:schema xmlns:xsd="http://www.w3.org/2001/XMLSchema" xmlns:xs="http://www.w3.org/2001/XMLSchema" xmlns:p="http://schemas.microsoft.com/office/2006/metadata/properties" xmlns:ns2="7b94f722-3b90-4565-8fc9-e75b6fdf0e0d" targetNamespace="http://schemas.microsoft.com/office/2006/metadata/properties" ma:root="true" ma:fieldsID="9528eb38271d23285454e702d67e6754" ns2:_="">
     <xsd:import namespace="7b94f722-3b90-4565-8fc9-e75b6fdf0e0d"/>
@@ -18330,12 +18466,6 @@
 </ct:contentTypeSchema>
 </file>
 
-<file path=customXml/item2.xml><?xml version="1.0" encoding="utf-8"?>
-<p:properties xmlns:p="http://schemas.microsoft.com/office/2006/metadata/properties" xmlns:xsi="http://www.w3.org/2001/XMLSchema-instance" xmlns:pc="http://schemas.microsoft.com/office/infopath/2007/PartnerControls">
-  <documentManagement/>
-</p:properties>
-</file>
-
 <file path=customXml/item3.xml><?xml version="1.0" encoding="utf-8"?>
 <?mso-contentType ?>
 <FormTemplates xmlns="http://schemas.microsoft.com/sharepoint/v3/contenttype/forms">
@@ -18346,6 +18476,15 @@
 </file>
 
 <file path=customXml/itemProps1.xml><?xml version="1.0" encoding="utf-8"?>
+<ds:datastoreItem xmlns:ds="http://schemas.openxmlformats.org/officeDocument/2006/customXml" ds:itemID="{E7C5CD15-2C2E-4EBC-816F-D1096ED2A60F}">
+  <ds:schemaRefs>
+    <ds:schemaRef ds:uri="http://schemas.microsoft.com/office/2006/metadata/properties"/>
+    <ds:schemaRef ds:uri="http://schemas.microsoft.com/office/infopath/2007/PartnerControls"/>
+  </ds:schemaRefs>
+</ds:datastoreItem>
+</file>
+
+<file path=customXml/itemProps2.xml><?xml version="1.0" encoding="utf-8"?>
 <ds:datastoreItem xmlns:ds="http://schemas.openxmlformats.org/officeDocument/2006/customXml" ds:itemID="{AB68E254-1304-4584-9CAE-B19E41216E99}">
   <ds:schemaRefs>
     <ds:schemaRef ds:uri="7b94f722-3b90-4565-8fc9-e75b6fdf0e0d"/>
@@ -18363,15 +18502,6 @@
 </ds:datastoreItem>
 </file>
 
-<file path=customXml/itemProps2.xml><?xml version="1.0" encoding="utf-8"?>
-<ds:datastoreItem xmlns:ds="http://schemas.openxmlformats.org/officeDocument/2006/customXml" ds:itemID="{E7C5CD15-2C2E-4EBC-816F-D1096ED2A60F}">
-  <ds:schemaRefs>
-    <ds:schemaRef ds:uri="http://schemas.microsoft.com/office/2006/metadata/properties"/>
-    <ds:schemaRef ds:uri="http://schemas.microsoft.com/office/infopath/2007/PartnerControls"/>
-  </ds:schemaRefs>
-</ds:datastoreItem>
-</file>
-
 <file path=customXml/itemProps3.xml><?xml version="1.0" encoding="utf-8"?>
 <ds:datastoreItem xmlns:ds="http://schemas.openxmlformats.org/officeDocument/2006/customXml" ds:itemID="{8FB4C278-2548-4886-8E13-FFF3B1D00297}">
   <ds:schemaRefs>

--- a/Documents/Group17_Projektiesitelmä.pptx
+++ b/Documents/Group17_Projektiesitelmä.pptx
@@ -10,18 +10,19 @@
     <p:sldMasterId id="2147483782" r:id="rId9"/>
   </p:sldMasterIdLst>
   <p:notesMasterIdLst>
-    <p:notesMasterId r:id="rId16"/>
+    <p:notesMasterId r:id="rId17"/>
   </p:notesMasterIdLst>
   <p:handoutMasterIdLst>
-    <p:handoutMasterId r:id="rId17"/>
+    <p:handoutMasterId r:id="rId18"/>
   </p:handoutMasterIdLst>
   <p:sldIdLst>
     <p:sldId id="256" r:id="rId10"/>
     <p:sldId id="257" r:id="rId11"/>
-    <p:sldId id="259" r:id="rId12"/>
+    <p:sldId id="263" r:id="rId12"/>
     <p:sldId id="260" r:id="rId13"/>
     <p:sldId id="261" r:id="rId14"/>
     <p:sldId id="262" r:id="rId15"/>
+    <p:sldId id="264" r:id="rId16"/>
   </p:sldIdLst>
   <p:sldSz cx="9144000" cy="6858000" type="screen4x3"/>
   <p:notesSz cx="6858000" cy="9144000"/>
@@ -147,80 +148,6 @@
 </p1510:revInfo>
 </file>
 
-<file path=ppt/changesInfos/changesInfo1.xml><?xml version="1.0" encoding="utf-8"?>
-<pc:chgInfo xmlns:a="http://schemas.openxmlformats.org/drawingml/2006/main" xmlns:r="http://schemas.openxmlformats.org/officeDocument/2006/relationships" xmlns:ac="http://schemas.microsoft.com/office/drawing/2013/main/command" xmlns:pc="http://schemas.microsoft.com/office/powerpoint/2013/main/command">
-  <pc:docChgLst>
-    <pc:chgData name="Ilari Tuovinen" userId="747819765b619af9" providerId="LiveId" clId="{0727E9B3-0DA1-4AE1-8164-FD65F0DEED80}"/>
-    <pc:docChg chg="custSel modSld">
-      <pc:chgData name="Ilari Tuovinen" userId="747819765b619af9" providerId="LiveId" clId="{0727E9B3-0DA1-4AE1-8164-FD65F0DEED80}" dt="2022-05-02T16:47:31.516" v="28" actId="1076"/>
-      <pc:docMkLst>
-        <pc:docMk/>
-      </pc:docMkLst>
-      <pc:sldChg chg="modSp mod">
-        <pc:chgData name="Ilari Tuovinen" userId="747819765b619af9" providerId="LiveId" clId="{0727E9B3-0DA1-4AE1-8164-FD65F0DEED80}" dt="2022-05-02T16:47:15.172" v="19" actId="20577"/>
-        <pc:sldMkLst>
-          <pc:docMk/>
-          <pc:sldMk cId="147344961" sldId="259"/>
-        </pc:sldMkLst>
-        <pc:spChg chg="mod">
-          <ac:chgData name="Ilari Tuovinen" userId="747819765b619af9" providerId="LiveId" clId="{0727E9B3-0DA1-4AE1-8164-FD65F0DEED80}" dt="2022-05-02T16:47:15.172" v="19" actId="20577"/>
-          <ac:spMkLst>
-            <pc:docMk/>
-            <pc:sldMk cId="147344961" sldId="259"/>
-            <ac:spMk id="3" creationId="{E97B95FC-B8C7-42DC-8300-C313059B29D9}"/>
-          </ac:spMkLst>
-        </pc:spChg>
-      </pc:sldChg>
-      <pc:sldChg chg="modSp mod">
-        <pc:chgData name="Ilari Tuovinen" userId="747819765b619af9" providerId="LiveId" clId="{0727E9B3-0DA1-4AE1-8164-FD65F0DEED80}" dt="2022-05-02T16:47:05.585" v="17" actId="5793"/>
-        <pc:sldMkLst>
-          <pc:docMk/>
-          <pc:sldMk cId="3545237262" sldId="260"/>
-        </pc:sldMkLst>
-        <pc:spChg chg="mod">
-          <ac:chgData name="Ilari Tuovinen" userId="747819765b619af9" providerId="LiveId" clId="{0727E9B3-0DA1-4AE1-8164-FD65F0DEED80}" dt="2022-05-02T16:47:05.585" v="17" actId="5793"/>
-          <ac:spMkLst>
-            <pc:docMk/>
-            <pc:sldMk cId="3545237262" sldId="260"/>
-            <ac:spMk id="3" creationId="{02DA5B48-6DA7-46F1-A5BB-CEAB494B8D67}"/>
-          </ac:spMkLst>
-        </pc:spChg>
-      </pc:sldChg>
-      <pc:sldChg chg="modSp mod">
-        <pc:chgData name="Ilari Tuovinen" userId="747819765b619af9" providerId="LiveId" clId="{0727E9B3-0DA1-4AE1-8164-FD65F0DEED80}" dt="2022-05-02T16:47:18.356" v="21" actId="20577"/>
-        <pc:sldMkLst>
-          <pc:docMk/>
-          <pc:sldMk cId="1374201685" sldId="261"/>
-        </pc:sldMkLst>
-        <pc:spChg chg="mod">
-          <ac:chgData name="Ilari Tuovinen" userId="747819765b619af9" providerId="LiveId" clId="{0727E9B3-0DA1-4AE1-8164-FD65F0DEED80}" dt="2022-05-02T16:47:18.356" v="21" actId="20577"/>
-          <ac:spMkLst>
-            <pc:docMk/>
-            <pc:sldMk cId="1374201685" sldId="261"/>
-            <ac:spMk id="3" creationId="{7851F6A8-C4BC-4272-897D-620427F860C3}"/>
-          </ac:spMkLst>
-        </pc:spChg>
-      </pc:sldChg>
-      <pc:sldChg chg="modSp mod">
-        <pc:chgData name="Ilari Tuovinen" userId="747819765b619af9" providerId="LiveId" clId="{0727E9B3-0DA1-4AE1-8164-FD65F0DEED80}" dt="2022-05-02T16:47:31.516" v="28" actId="1076"/>
-        <pc:sldMkLst>
-          <pc:docMk/>
-          <pc:sldMk cId="1183941133" sldId="262"/>
-        </pc:sldMkLst>
-        <pc:spChg chg="mod">
-          <ac:chgData name="Ilari Tuovinen" userId="747819765b619af9" providerId="LiveId" clId="{0727E9B3-0DA1-4AE1-8164-FD65F0DEED80}" dt="2022-05-02T16:47:31.516" v="28" actId="1076"/>
-          <ac:spMkLst>
-            <pc:docMk/>
-            <pc:sldMk cId="1183941133" sldId="262"/>
-            <ac:spMk id="3" creationId="{D2518737-C868-430D-BE3D-78422EFD924B}"/>
-          </ac:spMkLst>
-        </pc:spChg>
-      </pc:sldChg>
-    </pc:docChg>
-  </pc:docChgLst>
-</pc:chgInfo>
-</file>
-
 <file path=ppt/handoutMasters/handoutMaster1.xml><?xml version="1.0" encoding="utf-8"?>
 <p:handoutMaster xmlns:a="http://schemas.openxmlformats.org/drawingml/2006/main" xmlns:r="http://schemas.openxmlformats.org/officeDocument/2006/relationships" xmlns:p="http://schemas.openxmlformats.org/presentationml/2006/main">
   <p:cSld>
@@ -304,7 +231,7 @@
             <a:fld id="{97D26A1D-8F1D-E946-B0D1-CC4BD4123B3F}" type="datetimeFigureOut">
               <a:rPr lang="fi-FI" smtClean="0"/>
               <a:pPr/>
-              <a:t>2.5.2022</a:t>
+              <a:t>4.5.2022</a:t>
             </a:fld>
             <a:endParaRPr lang="fi-FI"/>
           </a:p>
@@ -472,7 +399,7 @@
             <a:fld id="{F3E449F4-C179-AF47-9D54-E44A3968B497}" type="datetimeFigureOut">
               <a:rPr lang="fi-FI" smtClean="0"/>
               <a:pPr/>
-              <a:t>2.5.2022</a:t>
+              <a:t>4.5.2022</a:t>
             </a:fld>
             <a:endParaRPr lang="fi-FI"/>
           </a:p>
@@ -15168,7 +15095,7 @@
           <p:cNvPr id="2" name="Otsikko 1">
             <a:extLst>
               <a:ext uri="{FF2B5EF4-FFF2-40B4-BE49-F238E27FC236}">
-                <a16:creationId xmlns:a16="http://schemas.microsoft.com/office/drawing/2014/main" id="{E6946954-3C6B-4531-A7F6-82F6E1D88481}"/>
+                <a16:creationId xmlns:a16="http://schemas.microsoft.com/office/drawing/2014/main" id="{D4182D6C-360A-D5FB-14FB-9B2AC68E7D0C}"/>
               </a:ext>
             </a:extLst>
           </p:cNvPr>
@@ -15185,9 +15112,10 @@
           <a:lstStyle/>
           <a:p>
             <a:r>
-              <a:rPr lang="fi-FI"/>
-              <a:t>Projektin lopputulos</a:t>
-            </a:r>
+              <a:rPr lang="en-US" dirty="0"/>
+              <a:t>English Poster</a:t>
+            </a:r>
+            <a:endParaRPr lang="en-FI" dirty="0"/>
           </a:p>
         </p:txBody>
       </p:sp>
@@ -15196,7 +15124,7 @@
           <p:cNvPr id="3" name="Sisällön paikkamerkki 2">
             <a:extLst>
               <a:ext uri="{FF2B5EF4-FFF2-40B4-BE49-F238E27FC236}">
-                <a16:creationId xmlns:a16="http://schemas.microsoft.com/office/drawing/2014/main" id="{E97B95FC-B8C7-42DC-8300-C313059B29D9}"/>
+                <a16:creationId xmlns:a16="http://schemas.microsoft.com/office/drawing/2014/main" id="{DCC23CB5-658F-62EC-D08B-4D214285BE98}"/>
               </a:ext>
             </a:extLst>
           </p:cNvPr>
@@ -15209,25 +15137,41 @@
         </p:nvSpPr>
         <p:spPr/>
         <p:txBody>
-          <a:bodyPr vert="horz" lIns="91440" tIns="45720" rIns="91440" bIns="45720" rtlCol="0" anchor="t">
-            <a:normAutofit/>
-          </a:bodyPr>
+          <a:bodyPr/>
           <a:lstStyle/>
           <a:p>
-            <a:pPr marL="0" indent="0">
-              <a:buNone/>
-            </a:pPr>
-            <a:r>
-              <a:rPr lang="fi-FI" dirty="0"/>
-              <a:t>Tekstiä</a:t>
-            </a:r>
+            <a:r>
+              <a:rPr lang="en-US" dirty="0"/>
+              <a:t>Goal was to make functional demo of ATM</a:t>
+            </a:r>
+          </a:p>
+          <a:p>
+            <a:r>
+              <a:rPr lang="en-US" dirty="0"/>
+              <a:t>Objectives were to make possible for end-user to login to their account, withdraw or deposit cash &amp; review account transaction history.</a:t>
+            </a:r>
+          </a:p>
+          <a:p>
+            <a:r>
+              <a:rPr lang="en-US" dirty="0"/>
+              <a:t>The frontend for the ATM was created in Qt-Creator, C++, &amp; the backend was created with Node.js &amp; MySQL database.</a:t>
+            </a:r>
+          </a:p>
+          <a:p>
+            <a:r>
+              <a:rPr lang="en-US" dirty="0"/>
+              <a:t>Conclusion ATM works better than expected &amp; we went up &amp; beyond our initial requirements for the project.</a:t>
+            </a:r>
+          </a:p>
+          <a:p>
+            <a:endParaRPr lang="en-FI" dirty="0"/>
           </a:p>
         </p:txBody>
       </p:sp>
     </p:spTree>
     <p:extLst>
       <p:ext uri="{BB962C8B-B14F-4D97-AF65-F5344CB8AC3E}">
-        <p14:creationId xmlns:p14="http://schemas.microsoft.com/office/powerpoint/2010/main" val="147344961"/>
+        <p14:creationId xmlns:p14="http://schemas.microsoft.com/office/powerpoint/2010/main" val="1631090781"/>
       </p:ext>
     </p:extLst>
   </p:cSld>
@@ -15270,14 +15214,19 @@
             <p:ph type="title"/>
           </p:nvPr>
         </p:nvSpPr>
-        <p:spPr/>
+        <p:spPr>
+          <a:xfrm>
+            <a:off x="1041408" y="0"/>
+            <a:ext cx="7061183" cy="1032319"/>
+          </a:xfrm>
+        </p:spPr>
         <p:txBody>
           <a:bodyPr/>
           <a:lstStyle/>
           <a:p>
             <a:r>
-              <a:rPr lang="fi-FI"/>
-              <a:t>Mikä meni hyvin ja mikä ei niin hyvin</a:t>
+              <a:rPr lang="fi-FI" dirty="0"/>
+              <a:t>KUKA MITÄ HÄ?!</a:t>
             </a:r>
           </a:p>
         </p:txBody>
@@ -15300,8 +15249,8 @@
         </p:nvSpPr>
         <p:spPr>
           <a:xfrm>
-            <a:off x="1045779" y="1492250"/>
-            <a:ext cx="7061183" cy="3873500"/>
+            <a:off x="1041407" y="1032319"/>
+            <a:ext cx="7061183" cy="4924598"/>
           </a:xfrm>
         </p:spPr>
         <p:txBody>
@@ -15310,21 +15259,132 @@
           </a:bodyPr>
           <a:lstStyle/>
           <a:p>
-            <a:pPr marL="0" indent="0">
-              <a:buNone/>
-            </a:pPr>
             <a:r>
               <a:rPr lang="fi-FI" dirty="0"/>
-              <a:t>Tekstiä</a:t>
-            </a:r>
-          </a:p>
-          <a:p>
-            <a:pPr marL="0" indent="0">
-              <a:buNone/>
-            </a:pPr>
+              <a:t>Yhdessä teimme MySQL tietokannan ja REST </a:t>
+            </a:r>
+            <a:r>
+              <a:rPr lang="fi-FI" dirty="0" err="1"/>
+              <a:t>API:n</a:t>
+            </a:r>
+            <a:r>
+              <a:rPr lang="fi-FI" dirty="0"/>
+              <a:t>.</a:t>
+            </a:r>
+          </a:p>
+          <a:p>
+            <a:r>
+              <a:rPr lang="fi-FI" dirty="0"/>
+              <a:t>Ilari Tuovinen:</a:t>
+            </a:r>
+          </a:p>
+          <a:p>
+            <a:pPr lvl="1"/>
+            <a:r>
+              <a:rPr lang="fi-FI" dirty="0"/>
+              <a:t>Vastuuna oli tehdä EXE. Se meni hyvin, ohjelmointi taidot kehittyi ja oppi versionhallintaa. Haasteita oli muttei mitään ylitsepääsemätöntä. </a:t>
+            </a:r>
+          </a:p>
+          <a:p>
+            <a:r>
+              <a:rPr lang="fi-FI" dirty="0"/>
+              <a:t>Santtu </a:t>
+            </a:r>
+            <a:r>
+              <a:rPr lang="fi-FI" dirty="0" err="1"/>
+              <a:t>Peteri</a:t>
+            </a:r>
+            <a:r>
+              <a:rPr lang="fi-FI" dirty="0"/>
+              <a:t>:</a:t>
+            </a:r>
+          </a:p>
+          <a:p>
+            <a:pPr lvl="1"/>
+            <a:r>
+              <a:rPr lang="fi-FI" dirty="0"/>
+              <a:t>Vastuuna oli tehdä </a:t>
+            </a:r>
+            <a:r>
+              <a:rPr lang="fi-FI" dirty="0" err="1"/>
+              <a:t>DLLRestApi</a:t>
+            </a:r>
+            <a:r>
+              <a:rPr lang="fi-FI" dirty="0"/>
+              <a:t>. Työ onnistui hyvin ja oppi </a:t>
+            </a:r>
+            <a:r>
+              <a:rPr lang="fi-FI" dirty="0" err="1"/>
+              <a:t>Qt</a:t>
+            </a:r>
+            <a:r>
+              <a:rPr lang="fi-FI" dirty="0"/>
+              <a:t>-kehitysympäristöstä uutta sekä versionhallinnan hyödyntämistä.</a:t>
+            </a:r>
+          </a:p>
+          <a:p>
+            <a:r>
+              <a:rPr lang="fi-FI" dirty="0"/>
+              <a:t>Paavo Päiväniemi:</a:t>
+            </a:r>
+          </a:p>
+          <a:p>
+            <a:pPr lvl="1"/>
+            <a:r>
+              <a:rPr lang="fi-FI" dirty="0"/>
+              <a:t>Vastuuna oli tehdä </a:t>
+            </a:r>
+            <a:r>
+              <a:rPr lang="fi-FI" dirty="0" err="1"/>
+              <a:t>DLLPinCode</a:t>
+            </a:r>
+            <a:r>
+              <a:rPr lang="fi-FI" dirty="0"/>
+              <a:t>. Hyvin se meni. </a:t>
+            </a:r>
+            <a:r>
+              <a:rPr lang="fi-FI" dirty="0" err="1"/>
+              <a:t>Qt:sta</a:t>
+            </a:r>
+            <a:r>
+              <a:rPr lang="fi-FI" dirty="0"/>
+              <a:t> oppi paljon ja signaalit tuli tutuiksi. Google on paras kaveri. </a:t>
+            </a:r>
+          </a:p>
+          <a:p>
+            <a:r>
+              <a:rPr lang="fi-FI" dirty="0"/>
+              <a:t>Jarno Liedes:</a:t>
+            </a:r>
+          </a:p>
+          <a:p>
+            <a:pPr lvl="1"/>
+            <a:r>
+              <a:rPr lang="fi-FI" dirty="0"/>
+              <a:t>Vastuuna oli tehdä </a:t>
+            </a:r>
+            <a:r>
+              <a:rPr lang="fi-FI" dirty="0" err="1"/>
+              <a:t>DLLSerialPort</a:t>
+            </a:r>
+            <a:r>
+              <a:rPr lang="fi-FI" dirty="0"/>
+              <a:t>. Kehitti tiedonhaku taitoja ja hermoja. Oppi hyödyntämään </a:t>
+            </a:r>
+            <a:r>
+              <a:rPr lang="fi-FI" dirty="0" err="1"/>
+              <a:t>Qt:n</a:t>
+            </a:r>
+            <a:r>
+              <a:rPr lang="fi-FI" dirty="0"/>
+              <a:t> kirjastoja.</a:t>
+            </a:r>
+          </a:p>
+          <a:p>
             <a:endParaRPr lang="fi-FI" dirty="0"/>
           </a:p>
           <a:p>
+            <a:pPr lvl="1"/>
             <a:endParaRPr lang="fi-FI" dirty="0"/>
           </a:p>
         </p:txBody>
@@ -15415,8 +15475,84 @@
             </a:pPr>
             <a:r>
               <a:rPr lang="fi-FI" dirty="0"/>
-              <a:t>Tekstiä</a:t>
-            </a:r>
+              <a:t>Uutta osaamista ja pitkä googlauksen sivuhistoria.</a:t>
+            </a:r>
+          </a:p>
+          <a:p>
+            <a:pPr>
+              <a:buFontTx/>
+              <a:buChar char="-"/>
+            </a:pPr>
+            <a:r>
+              <a:rPr lang="fi-FI" dirty="0"/>
+              <a:t>Ohjelmointitaidot kehittyivät.</a:t>
+            </a:r>
+          </a:p>
+          <a:p>
+            <a:pPr>
+              <a:buFontTx/>
+              <a:buChar char="-"/>
+            </a:pPr>
+            <a:r>
+              <a:rPr lang="fi-FI" dirty="0"/>
+              <a:t>Käytännön oppia tietokannoista sekä REST </a:t>
+            </a:r>
+            <a:r>
+              <a:rPr lang="fi-FI" dirty="0" err="1"/>
+              <a:t>APIsta</a:t>
+            </a:r>
+            <a:r>
+              <a:rPr lang="fi-FI" sz="2400" dirty="0"/>
+              <a:t>.</a:t>
+            </a:r>
+            <a:endParaRPr lang="fi-FI" dirty="0"/>
+          </a:p>
+          <a:p>
+            <a:pPr>
+              <a:buFontTx/>
+              <a:buChar char="-"/>
+            </a:pPr>
+            <a:r>
+              <a:rPr lang="fi-FI" dirty="0"/>
+              <a:t>Tiedonhaku ja ongelmanratkaisu taidot kehittyivät paljon.</a:t>
+            </a:r>
+          </a:p>
+          <a:p>
+            <a:pPr>
+              <a:buFontTx/>
+              <a:buChar char="-"/>
+            </a:pPr>
+            <a:r>
+              <a:rPr lang="fi-FI" dirty="0"/>
+              <a:t>Ryhmätyöskentely taidot parantui.</a:t>
+            </a:r>
+          </a:p>
+          <a:p>
+            <a:pPr>
+              <a:buFontTx/>
+              <a:buChar char="-"/>
+            </a:pPr>
+            <a:r>
+              <a:rPr lang="fi-FI" dirty="0"/>
+              <a:t>Versionhallinnan hyödyntäminen.</a:t>
+            </a:r>
+          </a:p>
+          <a:p>
+            <a:pPr>
+              <a:buFontTx/>
+              <a:buChar char="-"/>
+            </a:pPr>
+            <a:r>
+              <a:rPr lang="fi-FI" dirty="0"/>
+              <a:t>Ui suunnittelu on hyvä jättää graafikoille.</a:t>
+            </a:r>
+          </a:p>
+          <a:p>
+            <a:pPr>
+              <a:buFontTx/>
+              <a:buChar char="-"/>
+            </a:pPr>
+            <a:endParaRPr lang="fi-FI" dirty="0"/>
           </a:p>
         </p:txBody>
       </p:sp>
@@ -15511,20 +15647,54 @@
           </a:bodyPr>
           <a:lstStyle/>
           <a:p>
-            <a:pPr marL="0" indent="0">
-              <a:buNone/>
+            <a:pPr>
+              <a:buFontTx/>
+              <a:buChar char="-"/>
             </a:pPr>
             <a:r>
               <a:rPr lang="fi-FI" dirty="0"/>
-              <a:t>Tekstiä</a:t>
+              <a:t>Kokonaisuudessa projekti oli mieluisa.</a:t>
             </a:r>
           </a:p>
           <a:p>
             <a:pPr>
-              <a:buFont typeface="Wingdings,Sans-Serif"/>
-              <a:buChar char="ü"/>
+              <a:buFontTx/>
+              <a:buChar char="-"/>
             </a:pPr>
-            <a:endParaRPr lang="fi-FI" dirty="0"/>
+            <a:r>
+              <a:rPr lang="fi-FI" dirty="0"/>
+              <a:t>Kortinlukija toi omat haasteet.</a:t>
+            </a:r>
+          </a:p>
+          <a:p>
+            <a:pPr>
+              <a:buFontTx/>
+              <a:buChar char="-"/>
+            </a:pPr>
+            <a:r>
+              <a:rPr lang="fi-FI" dirty="0"/>
+              <a:t>Aloitus tuntui hitaalta. Oli hirveä into päästä tekemään itse asiaa eikä tehdä paperihommia.</a:t>
+            </a:r>
+          </a:p>
+          <a:p>
+            <a:pPr>
+              <a:buFontTx/>
+              <a:buChar char="-"/>
+            </a:pPr>
+            <a:r>
+              <a:rPr lang="fi-FI" dirty="0"/>
+              <a:t>Apua sai jos sitä tarvitsi.</a:t>
+            </a:r>
+          </a:p>
+          <a:p>
+            <a:pPr>
+              <a:buFontTx/>
+              <a:buChar char="-"/>
+            </a:pPr>
+            <a:r>
+              <a:rPr lang="fi-FI" dirty="0"/>
+              <a:t>Etänä työskentely oli tehokasta.</a:t>
+            </a:r>
           </a:p>
           <a:p>
             <a:endParaRPr lang="fi-FI" dirty="0"/>
@@ -15535,6 +15705,77 @@
     <p:extLst>
       <p:ext uri="{BB962C8B-B14F-4D97-AF65-F5344CB8AC3E}">
         <p14:creationId xmlns:p14="http://schemas.microsoft.com/office/powerpoint/2010/main" val="1183941133"/>
+      </p:ext>
+    </p:extLst>
+  </p:cSld>
+  <p:clrMapOvr>
+    <a:masterClrMapping/>
+  </p:clrMapOvr>
+</p:sld>
+</file>
+
+<file path=ppt/slides/slide7.xml><?xml version="1.0" encoding="utf-8"?>
+<p:sld xmlns:a="http://schemas.openxmlformats.org/drawingml/2006/main" xmlns:r="http://schemas.openxmlformats.org/officeDocument/2006/relationships" xmlns:p="http://schemas.openxmlformats.org/presentationml/2006/main">
+  <p:cSld>
+    <p:spTree>
+      <p:nvGrpSpPr>
+        <p:cNvPr id="1" name=""/>
+        <p:cNvGrpSpPr/>
+        <p:nvPr/>
+      </p:nvGrpSpPr>
+      <p:grpSpPr>
+        <a:xfrm>
+          <a:off x="0" y="0"/>
+          <a:ext cx="0" cy="0"/>
+          <a:chOff x="0" y="0"/>
+          <a:chExt cx="0" cy="0"/>
+        </a:xfrm>
+      </p:grpSpPr>
+      <p:sp>
+        <p:nvSpPr>
+          <p:cNvPr id="2" name="Otsikko 1">
+            <a:extLst>
+              <a:ext uri="{FF2B5EF4-FFF2-40B4-BE49-F238E27FC236}">
+                <a16:creationId xmlns:a16="http://schemas.microsoft.com/office/drawing/2014/main" id="{008CC2FA-A554-AFD5-35F9-A009A0FE6DDA}"/>
+              </a:ext>
+            </a:extLst>
+          </p:cNvPr>
+          <p:cNvSpPr>
+            <a:spLocks noGrp="1"/>
+          </p:cNvSpPr>
+          <p:nvPr>
+            <p:ph type="title"/>
+          </p:nvPr>
+        </p:nvSpPr>
+        <p:spPr>
+          <a:xfrm>
+            <a:off x="1041408" y="2285476"/>
+            <a:ext cx="7061183" cy="1032319"/>
+          </a:xfrm>
+        </p:spPr>
+        <p:txBody>
+          <a:bodyPr>
+            <a:normAutofit fontScale="90000"/>
+          </a:bodyPr>
+          <a:lstStyle/>
+          <a:p>
+            <a:pPr algn="ctr"/>
+            <a:r>
+              <a:rPr lang="en-US" sz="8800" dirty="0"/>
+              <a:t>KYSYMYKSIÄ</a:t>
+            </a:r>
+            <a:r>
+              <a:rPr lang="en-US" sz="11100" dirty="0"/>
+              <a:t>?</a:t>
+            </a:r>
+            <a:endParaRPr lang="en-FI" sz="11100" dirty="0"/>
+          </a:p>
+        </p:txBody>
+      </p:sp>
+    </p:spTree>
+    <p:extLst>
+      <p:ext uri="{BB962C8B-B14F-4D97-AF65-F5344CB8AC3E}">
+        <p14:creationId xmlns:p14="http://schemas.microsoft.com/office/powerpoint/2010/main" val="3831349009"/>
       </p:ext>
     </p:extLst>
   </p:cSld>
@@ -18153,6 +18394,15 @@
 </file>
 
 <file path=customXml/item1.xml><?xml version="1.0" encoding="utf-8"?>
+<?mso-contentType ?>
+<FormTemplates xmlns="http://schemas.microsoft.com/sharepoint/v3/contenttype/forms">
+  <Display>DocumentLibraryForm</Display>
+  <Edit>DocumentLibraryForm</Edit>
+  <New>DocumentLibraryForm</New>
+</FormTemplates>
+</file>
+
+<file path=customXml/item2.xml><?xml version="1.0" encoding="utf-8"?>
 <ct:contentTypeSchema xmlns:ct="http://schemas.microsoft.com/office/2006/metadata/contentType" xmlns:ma="http://schemas.microsoft.com/office/2006/metadata/properties/metaAttributes" ct:_="" ma:_="" ma:contentTypeName="Asiakirja" ma:contentTypeID="0x0101006ECC83F8D6BFE4428804C4C3A1B4B79C" ma:contentTypeVersion="9" ma:contentTypeDescription="Luo uusi asiakirja." ma:contentTypeScope="" ma:versionID="cb58403596d0c528fd893a3198633c48">
   <xsd:schema xmlns:xsd="http://www.w3.org/2001/XMLSchema" xmlns:xs="http://www.w3.org/2001/XMLSchema" xmlns:p="http://schemas.microsoft.com/office/2006/metadata/properties" xmlns:ns2="7b94f722-3b90-4565-8fc9-e75b6fdf0e0d" targetNamespace="http://schemas.microsoft.com/office/2006/metadata/properties" ma:root="true" ma:fieldsID="9528eb38271d23285454e702d67e6754" ns2:_="">
     <xsd:import namespace="7b94f722-3b90-4565-8fc9-e75b6fdf0e0d"/>
@@ -18330,22 +18580,21 @@
 </ct:contentTypeSchema>
 </file>
 
-<file path=customXml/item2.xml><?xml version="1.0" encoding="utf-8"?>
+<file path=customXml/item3.xml><?xml version="1.0" encoding="utf-8"?>
 <p:properties xmlns:p="http://schemas.microsoft.com/office/2006/metadata/properties" xmlns:xsi="http://www.w3.org/2001/XMLSchema-instance" xmlns:pc="http://schemas.microsoft.com/office/infopath/2007/PartnerControls">
   <documentManagement/>
 </p:properties>
 </file>
 
-<file path=customXml/item3.xml><?xml version="1.0" encoding="utf-8"?>
-<?mso-contentType ?>
-<FormTemplates xmlns="http://schemas.microsoft.com/sharepoint/v3/contenttype/forms">
-  <Display>DocumentLibraryForm</Display>
-  <Edit>DocumentLibraryForm</Edit>
-  <New>DocumentLibraryForm</New>
-</FormTemplates>
+<file path=customXml/itemProps1.xml><?xml version="1.0" encoding="utf-8"?>
+<ds:datastoreItem xmlns:ds="http://schemas.openxmlformats.org/officeDocument/2006/customXml" ds:itemID="{8FB4C278-2548-4886-8E13-FFF3B1D00297}">
+  <ds:schemaRefs>
+    <ds:schemaRef ds:uri="http://schemas.microsoft.com/sharepoint/v3/contenttype/forms"/>
+  </ds:schemaRefs>
+</ds:datastoreItem>
 </file>
 
-<file path=customXml/itemProps1.xml><?xml version="1.0" encoding="utf-8"?>
+<file path=customXml/itemProps2.xml><?xml version="1.0" encoding="utf-8"?>
 <ds:datastoreItem xmlns:ds="http://schemas.openxmlformats.org/officeDocument/2006/customXml" ds:itemID="{AB68E254-1304-4584-9CAE-B19E41216E99}">
   <ds:schemaRefs>
     <ds:schemaRef ds:uri="7b94f722-3b90-4565-8fc9-e75b6fdf0e0d"/>
@@ -18363,19 +18612,11 @@
 </ds:datastoreItem>
 </file>
 
-<file path=customXml/itemProps2.xml><?xml version="1.0" encoding="utf-8"?>
+<file path=customXml/itemProps3.xml><?xml version="1.0" encoding="utf-8"?>
 <ds:datastoreItem xmlns:ds="http://schemas.openxmlformats.org/officeDocument/2006/customXml" ds:itemID="{E7C5CD15-2C2E-4EBC-816F-D1096ED2A60F}">
   <ds:schemaRefs>
     <ds:schemaRef ds:uri="http://schemas.microsoft.com/office/2006/metadata/properties"/>
     <ds:schemaRef ds:uri="http://schemas.microsoft.com/office/infopath/2007/PartnerControls"/>
   </ds:schemaRefs>
 </ds:datastoreItem>
-</file>
-
-<file path=customXml/itemProps3.xml><?xml version="1.0" encoding="utf-8"?>
-<ds:datastoreItem xmlns:ds="http://schemas.openxmlformats.org/officeDocument/2006/customXml" ds:itemID="{8FB4C278-2548-4886-8E13-FFF3B1D00297}">
-  <ds:schemaRefs>
-    <ds:schemaRef ds:uri="http://schemas.microsoft.com/sharepoint/v3/contenttype/forms"/>
-  </ds:schemaRefs>
-</ds:datastoreItem>
 </file>